--- a/2019.09.04_cppmix_05/cpp20_status.pptx
+++ b/2019.09.04_cppmix_05/cpp20_status.pptx
@@ -206,7 +206,7 @@
           <a:p>
             <a:fld id="{48B55A86-92A3-3D4C-9C1C-1F87FEDD3E64}" type="datetimeFigureOut">
               <a:rPr kumimoji="1" lang="ja-JP" altLang="en-US" smtClean="0"/>
-              <a:t>2019/8/20</a:t>
+              <a:t>2019/9/4</a:t>
             </a:fld>
             <a:endParaRPr kumimoji="1" lang="ja-JP" altLang="en-US"/>
           </a:p>
@@ -711,7 +711,7 @@
           <a:p>
             <a:fld id="{4450E2A0-7463-F64C-869C-36391E861223}" type="datetimeFigureOut">
               <a:rPr kumimoji="1" lang="ja-JP" altLang="en-US" smtClean="0"/>
-              <a:t>2019/8/20</a:t>
+              <a:t>2019/9/4</a:t>
             </a:fld>
             <a:endParaRPr kumimoji="1" lang="ja-JP" altLang="en-US"/>
           </a:p>
@@ -916,7 +916,7 @@
           <a:p>
             <a:fld id="{4450E2A0-7463-F64C-869C-36391E861223}" type="datetimeFigureOut">
               <a:rPr kumimoji="1" lang="ja-JP" altLang="en-US" smtClean="0"/>
-              <a:t>2019/8/20</a:t>
+              <a:t>2019/9/4</a:t>
             </a:fld>
             <a:endParaRPr kumimoji="1" lang="ja-JP" altLang="en-US"/>
           </a:p>
@@ -1131,7 +1131,7 @@
           <a:p>
             <a:fld id="{4450E2A0-7463-F64C-869C-36391E861223}" type="datetimeFigureOut">
               <a:rPr kumimoji="1" lang="ja-JP" altLang="en-US" smtClean="0"/>
-              <a:t>2019/8/20</a:t>
+              <a:t>2019/9/4</a:t>
             </a:fld>
             <a:endParaRPr kumimoji="1" lang="ja-JP" altLang="en-US"/>
           </a:p>
@@ -1336,7 +1336,7 @@
           <a:p>
             <a:fld id="{4450E2A0-7463-F64C-869C-36391E861223}" type="datetimeFigureOut">
               <a:rPr kumimoji="1" lang="ja-JP" altLang="en-US" smtClean="0"/>
-              <a:t>2019/8/20</a:t>
+              <a:t>2019/9/4</a:t>
             </a:fld>
             <a:endParaRPr kumimoji="1" lang="ja-JP" altLang="en-US"/>
           </a:p>
@@ -1646,7 +1646,7 @@
           <a:p>
             <a:fld id="{4450E2A0-7463-F64C-869C-36391E861223}" type="datetimeFigureOut">
               <a:rPr kumimoji="1" lang="ja-JP" altLang="en-US" smtClean="0"/>
-              <a:t>2019/8/20</a:t>
+              <a:t>2019/9/4</a:t>
             </a:fld>
             <a:endParaRPr kumimoji="1" lang="ja-JP" altLang="en-US"/>
           </a:p>
@@ -1925,7 +1925,7 @@
           <a:p>
             <a:fld id="{4450E2A0-7463-F64C-869C-36391E861223}" type="datetimeFigureOut">
               <a:rPr kumimoji="1" lang="ja-JP" altLang="en-US" smtClean="0"/>
-              <a:t>2019/8/20</a:t>
+              <a:t>2019/9/4</a:t>
             </a:fld>
             <a:endParaRPr kumimoji="1" lang="ja-JP" altLang="en-US"/>
           </a:p>
@@ -2421,7 +2421,7 @@
           <a:p>
             <a:fld id="{4450E2A0-7463-F64C-869C-36391E861223}" type="datetimeFigureOut">
               <a:rPr kumimoji="1" lang="ja-JP" altLang="en-US" smtClean="0"/>
-              <a:t>2019/8/20</a:t>
+              <a:t>2019/9/4</a:t>
             </a:fld>
             <a:endParaRPr kumimoji="1" lang="ja-JP" altLang="en-US"/>
           </a:p>
@@ -2562,7 +2562,7 @@
           <a:p>
             <a:fld id="{4450E2A0-7463-F64C-869C-36391E861223}" type="datetimeFigureOut">
               <a:rPr kumimoji="1" lang="ja-JP" altLang="en-US" smtClean="0"/>
-              <a:t>2019/8/20</a:t>
+              <a:t>2019/9/4</a:t>
             </a:fld>
             <a:endParaRPr kumimoji="1" lang="ja-JP" altLang="en-US"/>
           </a:p>
@@ -2675,7 +2675,7 @@
           <a:p>
             <a:fld id="{4450E2A0-7463-F64C-869C-36391E861223}" type="datetimeFigureOut">
               <a:rPr kumimoji="1" lang="ja-JP" altLang="en-US" smtClean="0"/>
-              <a:t>2019/8/20</a:t>
+              <a:t>2019/9/4</a:t>
             </a:fld>
             <a:endParaRPr kumimoji="1" lang="ja-JP" altLang="en-US"/>
           </a:p>
@@ -3028,7 +3028,7 @@
           <a:p>
             <a:fld id="{4450E2A0-7463-F64C-869C-36391E861223}" type="datetimeFigureOut">
               <a:rPr kumimoji="1" lang="ja-JP" altLang="en-US" smtClean="0"/>
-              <a:t>2019/8/20</a:t>
+              <a:t>2019/9/4</a:t>
             </a:fld>
             <a:endParaRPr kumimoji="1" lang="ja-JP" altLang="en-US"/>
           </a:p>
@@ -3351,7 +3351,7 @@
           <a:p>
             <a:fld id="{4450E2A0-7463-F64C-869C-36391E861223}" type="datetimeFigureOut">
               <a:rPr kumimoji="1" lang="ja-JP" altLang="en-US" smtClean="0"/>
-              <a:t>2019/8/20</a:t>
+              <a:t>2019/9/4</a:t>
             </a:fld>
             <a:endParaRPr kumimoji="1" lang="ja-JP" altLang="en-US"/>
           </a:p>
@@ -3599,7 +3599,7 @@
           <a:p>
             <a:fld id="{4450E2A0-7463-F64C-869C-36391E861223}" type="datetimeFigureOut">
               <a:rPr kumimoji="1" lang="ja-JP" altLang="en-US" smtClean="0"/>
-              <a:t>2019/8/20</a:t>
+              <a:t>2019/9/4</a:t>
             </a:fld>
             <a:endParaRPr kumimoji="1" lang="ja-JP" altLang="en-US"/>
           </a:p>
@@ -5736,27 +5736,14 @@
                 <a:latin typeface="Hiragino Sans W2" panose="020B0300000000000000" pitchFamily="34" charset="-128"/>
                 <a:ea typeface="Hiragino Sans W2" panose="020B0300000000000000" pitchFamily="34" charset="-128"/>
               </a:rPr>
-              <a:t>Final Committee Draft (FDIS) </a:t>
+              <a:t>Final Draft International Standard (FDIS) </a:t>
             </a:r>
             <a:r>
               <a:rPr lang="ja-JP" altLang="en-US" sz="2000">
                 <a:latin typeface="Hiragino Sans W2" panose="020B0300000000000000" pitchFamily="34" charset="-128"/>
                 <a:ea typeface="Hiragino Sans W2" panose="020B0300000000000000" pitchFamily="34" charset="-128"/>
               </a:rPr>
-              <a:t>を作るが、これは</a:t>
-            </a:r>
-            <a:br>
-              <a:rPr lang="en-US" altLang="ja-JP" sz="2000" dirty="0">
-                <a:latin typeface="Hiragino Sans W2" panose="020B0300000000000000" pitchFamily="34" charset="-128"/>
-                <a:ea typeface="Hiragino Sans W2" panose="020B0300000000000000" pitchFamily="34" charset="-128"/>
-              </a:rPr>
-            </a:br>
-            <a:r>
-              <a:rPr lang="ja-JP" altLang="en-US" sz="2000">
-                <a:latin typeface="Hiragino Sans W2" panose="020B0300000000000000" pitchFamily="34" charset="-128"/>
-                <a:ea typeface="Hiragino Sans W2" panose="020B0300000000000000" pitchFamily="34" charset="-128"/>
-              </a:rPr>
-              <a:t>スキップできる</a:t>
+              <a:t>を作るが、これはスキップできる</a:t>
             </a:r>
             <a:endParaRPr lang="en-US" altLang="ja-JP" sz="2000" dirty="0">
               <a:latin typeface="Hiragino Sans W2" panose="020B0300000000000000" pitchFamily="34" charset="-128"/>
